--- a/OOP.pptx
+++ b/OOP.pptx
@@ -131,7 +131,6 @@
 <file path=ppt/revisionInfo.xml><?xml version="1.0" encoding="utf-8"?>
 <p1510:revInfo xmlns:a="http://schemas.openxmlformats.org/drawingml/2006/main" xmlns:r="http://schemas.openxmlformats.org/officeDocument/2006/relationships" xmlns:p1510="http://schemas.microsoft.com/office/powerpoint/2015/10/main">
   <p1510:revLst>
-    <p1510:client id="{34D6DA09-B9A0-4482-8BB8-D6D8008754EC}" v="95" dt="2022-06-07T19:48:31.121"/>
     <p1510:client id="{4709B840-E40B-4B9B-A5E5-68E53D1142FB}" v="152" dt="2022-06-09T19:26:38.261"/>
     <p1510:client id="{A98F0DE9-F8EA-4F49-B1AF-862B7A880D13}" v="1037" dt="2022-06-09T19:02:45.637"/>
     <p1510:client id="{F136A83D-347D-4F3D-A8EA-A0291B122A84}" v="46" dt="2022-06-09T14:31:53.155"/>
@@ -269,7 +268,7 @@
           <a:p>
             <a:fld id="{C764DE79-268F-4C1A-8933-263129D2AF90}" type="datetimeFigureOut">
               <a:rPr lang="en-US" dirty="0"/>
-              <a:t>6/9/2022</a:t>
+              <a:t>6/10/2022</a:t>
             </a:fld>
             <a:endParaRPr lang="en-US" dirty="0"/>
           </a:p>
@@ -437,7 +436,7 @@
           <a:p>
             <a:fld id="{C764DE79-268F-4C1A-8933-263129D2AF90}" type="datetimeFigureOut">
               <a:rPr lang="en-US" dirty="0"/>
-              <a:t>6/9/2022</a:t>
+              <a:t>6/10/2022</a:t>
             </a:fld>
             <a:endParaRPr lang="en-US" dirty="0"/>
           </a:p>
@@ -615,7 +614,7 @@
           <a:p>
             <a:fld id="{C764DE79-268F-4C1A-8933-263129D2AF90}" type="datetimeFigureOut">
               <a:rPr lang="en-US" dirty="0"/>
-              <a:t>6/9/2022</a:t>
+              <a:t>6/10/2022</a:t>
             </a:fld>
             <a:endParaRPr lang="en-US" dirty="0"/>
           </a:p>
@@ -783,7 +782,7 @@
           <a:p>
             <a:fld id="{C764DE79-268F-4C1A-8933-263129D2AF90}" type="datetimeFigureOut">
               <a:rPr lang="en-US" dirty="0"/>
-              <a:t>6/9/2022</a:t>
+              <a:t>6/10/2022</a:t>
             </a:fld>
             <a:endParaRPr lang="en-US" dirty="0"/>
           </a:p>
@@ -1028,7 +1027,7 @@
           <a:p>
             <a:fld id="{C764DE79-268F-4C1A-8933-263129D2AF90}" type="datetimeFigureOut">
               <a:rPr lang="en-US" dirty="0"/>
-              <a:t>6/9/2022</a:t>
+              <a:t>6/10/2022</a:t>
             </a:fld>
             <a:endParaRPr lang="en-US" dirty="0"/>
           </a:p>
@@ -1257,7 +1256,7 @@
           <a:p>
             <a:fld id="{C764DE79-268F-4C1A-8933-263129D2AF90}" type="datetimeFigureOut">
               <a:rPr lang="en-US" dirty="0"/>
-              <a:t>6/9/2022</a:t>
+              <a:t>6/10/2022</a:t>
             </a:fld>
             <a:endParaRPr lang="en-US" dirty="0"/>
           </a:p>
@@ -1621,7 +1620,7 @@
           <a:p>
             <a:fld id="{C764DE79-268F-4C1A-8933-263129D2AF90}" type="datetimeFigureOut">
               <a:rPr lang="en-US" dirty="0"/>
-              <a:t>6/9/2022</a:t>
+              <a:t>6/10/2022</a:t>
             </a:fld>
             <a:endParaRPr lang="en-US" dirty="0"/>
           </a:p>
@@ -1738,7 +1737,7 @@
           <a:p>
             <a:fld id="{C764DE79-268F-4C1A-8933-263129D2AF90}" type="datetimeFigureOut">
               <a:rPr lang="en-US" dirty="0"/>
-              <a:t>6/9/2022</a:t>
+              <a:t>6/10/2022</a:t>
             </a:fld>
             <a:endParaRPr lang="en-US" dirty="0"/>
           </a:p>
@@ -1833,7 +1832,7 @@
           <a:p>
             <a:fld id="{C764DE79-268F-4C1A-8933-263129D2AF90}" type="datetimeFigureOut">
               <a:rPr lang="en-US" dirty="0"/>
-              <a:t>6/9/2022</a:t>
+              <a:t>6/10/2022</a:t>
             </a:fld>
             <a:endParaRPr lang="en-US" dirty="0"/>
           </a:p>
@@ -2108,7 +2107,7 @@
           <a:p>
             <a:fld id="{C764DE79-268F-4C1A-8933-263129D2AF90}" type="datetimeFigureOut">
               <a:rPr lang="en-US" dirty="0"/>
-              <a:t>6/9/2022</a:t>
+              <a:t>6/10/2022</a:t>
             </a:fld>
             <a:endParaRPr lang="en-US" dirty="0"/>
           </a:p>
@@ -2360,7 +2359,7 @@
           <a:p>
             <a:fld id="{C764DE79-268F-4C1A-8933-263129D2AF90}" type="datetimeFigureOut">
               <a:rPr lang="en-US" dirty="0"/>
-              <a:t>6/9/2022</a:t>
+              <a:t>6/10/2022</a:t>
             </a:fld>
             <a:endParaRPr lang="en-US" dirty="0"/>
           </a:p>
@@ -2571,7 +2570,7 @@
           <a:p>
             <a:fld id="{C764DE79-268F-4C1A-8933-263129D2AF90}" type="datetimeFigureOut">
               <a:rPr lang="en-US" dirty="0"/>
-              <a:t>6/9/2022</a:t>
+              <a:t>6/10/2022</a:t>
             </a:fld>
             <a:endParaRPr lang="en-US" dirty="0"/>
           </a:p>
@@ -4755,21 +4754,27 @@
           <a:lstStyle/>
           <a:p>
             <a:r>
-              <a:rPr lang="en-US" sz="4000" b="1" i="1">
+              <a:rPr lang="en-US" sz="4000" b="1" i="1" dirty="0">
                 <a:solidFill>
-                  <a:srgbClr val="FFFFFF"/>
+                  <a:srgbClr val="FF0000"/>
                 </a:solidFill>
                 <a:ea typeface="+mj-lt"/>
                 <a:cs typeface="+mj-lt"/>
               </a:rPr>
-              <a:t>Two main concepts of OOP in C++:</a:t>
-            </a:r>
-            <a:endParaRPr lang="en-US" sz="4000">
-              <a:solidFill>
-                <a:srgbClr val="FFFFFF"/>
-              </a:solidFill>
+              <a:t> </a:t>
+            </a:r>
+            <a:r>
+              <a:rPr lang="en-US" sz="4000" b="1" i="1" u="sng" dirty="0">
+                <a:latin typeface="Aharoni" panose="02010803020104030203" pitchFamily="2" charset="-79"/>
+                <a:ea typeface="+mj-lt"/>
+                <a:cs typeface="Aharoni" panose="02010803020104030203" pitchFamily="2" charset="-79"/>
+              </a:rPr>
+              <a:t>Two important concepts of OOP in C++:</a:t>
+            </a:r>
+            <a:endParaRPr lang="en-US" sz="4000" u="sng" dirty="0">
+              <a:latin typeface="Aharoni" panose="02010803020104030203" pitchFamily="2" charset="-79"/>
               <a:ea typeface="+mj-lt"/>
-              <a:cs typeface="+mj-lt"/>
+              <a:cs typeface="Aharoni" panose="02010803020104030203" pitchFamily="2" charset="-79"/>
             </a:endParaRPr>
           </a:p>
         </p:txBody>

--- a/OOP.pptx
+++ b/OOP.pptx
@@ -18,10 +18,12 @@
     <p:sldId id="269" r:id="rId12"/>
     <p:sldId id="268" r:id="rId13"/>
     <p:sldId id="270" r:id="rId14"/>
-    <p:sldId id="267" r:id="rId15"/>
-    <p:sldId id="260" r:id="rId16"/>
-    <p:sldId id="271" r:id="rId17"/>
-    <p:sldId id="272" r:id="rId18"/>
+    <p:sldId id="273" r:id="rId15"/>
+    <p:sldId id="274" r:id="rId16"/>
+    <p:sldId id="267" r:id="rId17"/>
+    <p:sldId id="260" r:id="rId18"/>
+    <p:sldId id="271" r:id="rId19"/>
+    <p:sldId id="272" r:id="rId20"/>
   </p:sldIdLst>
   <p:sldSz cx="12192000" cy="6858000"/>
   <p:notesSz cx="6858000" cy="9144000"/>
@@ -3771,7 +3773,7 @@
           <p:cNvPr id="2" name="Title 1">
             <a:extLst>
               <a:ext uri="{FF2B5EF4-FFF2-40B4-BE49-F238E27FC236}">
-                <a16:creationId xmlns:a16="http://schemas.microsoft.com/office/drawing/2014/main" id="{3C92D752-01D1-0D91-15EB-837A4A1A7ABD}"/>
+                <a16:creationId xmlns:a16="http://schemas.microsoft.com/office/drawing/2014/main" id="{A5E42757-F4C6-4AE9-ABE4-D912AB8CE7F9}"/>
               </a:ext>
             </a:extLst>
           </p:cNvPr>
@@ -3788,16 +3790,16 @@
           <a:lstStyle/>
           <a:p>
             <a:r>
-              <a:rPr lang="en-US" b="1" u="sng" dirty="0">
-                <a:latin typeface="Aharoni"/>
-                <a:cs typeface="Calibri Light"/>
-              </a:rPr>
-              <a:t>Garbage Collection in OOP languages</a:t>
-            </a:r>
-            <a:endParaRPr lang="en-US" u="sng" dirty="0">
-              <a:latin typeface="Aharoni"/>
-              <a:cs typeface="Calibri Light" panose="020F0302020204030204"/>
-            </a:endParaRPr>
+              <a:rPr lang="en-US" dirty="0"/>
+              <a:t>                           </a:t>
+            </a:r>
+            <a:r>
+              <a:rPr lang="en-US" b="1" i="1" u="sng" dirty="0">
+                <a:latin typeface="Aharoni" panose="02010803020104030203" pitchFamily="2" charset="-79"/>
+                <a:cs typeface="Aharoni" panose="02010803020104030203" pitchFamily="2" charset="-79"/>
+              </a:rPr>
+              <a:t>Virtual Functions</a:t>
+            </a:r>
           </a:p>
         </p:txBody>
       </p:sp>
@@ -3806,7 +3808,7 @@
           <p:cNvPr id="3" name="Content Placeholder 2">
             <a:extLst>
               <a:ext uri="{FF2B5EF4-FFF2-40B4-BE49-F238E27FC236}">
-                <a16:creationId xmlns:a16="http://schemas.microsoft.com/office/drawing/2014/main" id="{360C8343-BF9D-24F8-7663-9C507F0F242C}"/>
+                <a16:creationId xmlns:a16="http://schemas.microsoft.com/office/drawing/2014/main" id="{9BEB8C14-7844-40A2-B611-F5554156A9A0}"/>
               </a:ext>
             </a:extLst>
           </p:cNvPr>
@@ -3820,11 +3822,11 @@
         <p:spPr>
           <a:xfrm>
             <a:off x="838200" y="1825625"/>
-            <a:ext cx="10515600" cy="4351338"/>
+            <a:ext cx="10644352" cy="4351338"/>
           </a:xfrm>
         </p:spPr>
         <p:txBody>
-          <a:bodyPr vert="horz" lIns="91440" tIns="45720" rIns="91440" bIns="45720" rtlCol="0" anchor="t">
+          <a:bodyPr>
             <a:normAutofit/>
           </a:bodyPr>
           <a:lstStyle/>
@@ -3833,75 +3835,152 @@
               <a:buNone/>
             </a:pPr>
             <a:r>
-              <a:rPr lang="en-US" dirty="0">
-                <a:ea typeface="+mn-lt"/>
-                <a:cs typeface="+mn-lt"/>
-              </a:rPr>
-              <a:t>Garbage collection is </a:t>
-            </a:r>
-            <a:r>
-              <a:rPr lang="en-US" b="1" dirty="0">
-                <a:ea typeface="+mn-lt"/>
-                <a:cs typeface="+mn-lt"/>
-              </a:rPr>
-              <a:t>the process in which programs try to free up memory space that is no longer used by objects</a:t>
-            </a:r>
-            <a:r>
-              <a:rPr lang="en-US" dirty="0">
-                <a:ea typeface="+mn-lt"/>
-                <a:cs typeface="+mn-lt"/>
-              </a:rPr>
-              <a:t>. Garbage collection is implemented differently for every language. Most high-level programming languages have some sort of garbage collection built in.</a:t>
-            </a:r>
-            <a:endParaRPr lang="en-US" dirty="0"/>
-          </a:p>
-          <a:p>
-            <a:r>
-              <a:rPr lang="en-US" sz="2000" dirty="0">
-                <a:ea typeface="+mn-lt"/>
-                <a:cs typeface="+mn-lt"/>
-              </a:rPr>
-              <a:t>In C++, programmer is responsible for both creation and destruction of objects.</a:t>
-            </a:r>
-            <a:endParaRPr lang="en-US" sz="2000">
-              <a:cs typeface="Calibri"/>
-            </a:endParaRPr>
-          </a:p>
-          <a:p>
-            <a:r>
-              <a:rPr lang="en-US" sz="2000" dirty="0">
-                <a:ea typeface="+mn-lt"/>
-                <a:cs typeface="+mn-lt"/>
-              </a:rPr>
-              <a:t>But in Java, the programmer need not to care for all those objects which are no longer in use. ...</a:t>
-            </a:r>
-            <a:endParaRPr lang="en-US" sz="2000">
-              <a:cs typeface="Calibri"/>
-            </a:endParaRPr>
-          </a:p>
-          <a:p>
-            <a:r>
-              <a:rPr lang="en-US" sz="2000" dirty="0">
-                <a:ea typeface="+mn-lt"/>
-                <a:cs typeface="+mn-lt"/>
-              </a:rPr>
-              <a:t>Garbage collector is best example of Deamon thread as it is always running in background.</a:t>
-            </a:r>
-            <a:endParaRPr lang="en-US" sz="2000">
-              <a:cs typeface="Calibri"/>
-            </a:endParaRPr>
-          </a:p>
-          <a:p>
-            <a:endParaRPr lang="en-US" dirty="0">
-              <a:cs typeface="Calibri"/>
-            </a:endParaRPr>
+              <a:rPr lang="en-IN" sz="2400" b="0" i="0" dirty="0">
+                <a:solidFill>
+                  <a:srgbClr val="273239"/>
+                </a:solidFill>
+                <a:effectLst/>
+                <a:latin typeface="urw-din"/>
+              </a:rPr>
+              <a:t>A virtual function is a member function which is declared within a base class and is re-defined (overridden) by a derived class. When you refer to a derived class object using a pointer or a reference to the base class, you can call a virtual function for that object and execute the derived class’s version of the function.</a:t>
+            </a:r>
+            <a:endParaRPr lang="en-US" sz="2400" b="0" i="0" dirty="0">
+              <a:solidFill>
+                <a:srgbClr val="273239"/>
+              </a:solidFill>
+              <a:effectLst/>
+              <a:latin typeface="urw-din"/>
+            </a:endParaRPr>
+          </a:p>
+          <a:p>
+            <a:pPr fontAlgn="base"/>
+            <a:r>
+              <a:rPr lang="en-IN" sz="1600" b="0" i="0" dirty="0">
+                <a:solidFill>
+                  <a:srgbClr val="273239"/>
+                </a:solidFill>
+                <a:effectLst/>
+                <a:latin typeface="urw-din"/>
+              </a:rPr>
+              <a:t>Virtual functions ensure that the correct function is called for an object, regardless of the type of reference (or pointer) used for function call.</a:t>
+            </a:r>
+          </a:p>
+          <a:p>
+            <a:pPr fontAlgn="base"/>
+            <a:r>
+              <a:rPr lang="en-IN" sz="1600" b="0" i="0" dirty="0">
+                <a:solidFill>
+                  <a:srgbClr val="273239"/>
+                </a:solidFill>
+                <a:effectLst/>
+                <a:latin typeface="urw-din"/>
+              </a:rPr>
+              <a:t>They are mainly used to achieve</a:t>
+            </a:r>
+            <a:r>
+              <a:rPr lang="en-IN" sz="1600" b="0" i="0" u="sng" dirty="0">
+                <a:solidFill>
+                  <a:srgbClr val="273239"/>
+                </a:solidFill>
+                <a:effectLst/>
+                <a:latin typeface="urw-din"/>
+              </a:rPr>
+              <a:t> </a:t>
+            </a:r>
+            <a:r>
+              <a:rPr lang="en-IN" sz="1600" u="sng" dirty="0">
+                <a:solidFill>
+                  <a:srgbClr val="273239"/>
+                </a:solidFill>
+                <a:latin typeface="urw-din"/>
+              </a:rPr>
+              <a:t>Runtime polymorphism</a:t>
+            </a:r>
+            <a:r>
+              <a:rPr lang="en-US" sz="1600" u="sng" dirty="0">
+                <a:solidFill>
+                  <a:srgbClr val="273239"/>
+                </a:solidFill>
+                <a:latin typeface="urw-din"/>
+              </a:rPr>
+              <a:t>.</a:t>
+            </a:r>
+            <a:endParaRPr lang="en-IN" sz="1600" b="0" i="0" u="sng" dirty="0">
+              <a:solidFill>
+                <a:srgbClr val="273239"/>
+              </a:solidFill>
+              <a:effectLst/>
+              <a:latin typeface="urw-din"/>
+            </a:endParaRPr>
+          </a:p>
+          <a:p>
+            <a:pPr fontAlgn="base"/>
+            <a:r>
+              <a:rPr lang="en-IN" sz="1600" b="0" i="0" dirty="0">
+                <a:solidFill>
+                  <a:srgbClr val="273239"/>
+                </a:solidFill>
+                <a:effectLst/>
+                <a:latin typeface="urw-din"/>
+              </a:rPr>
+              <a:t>Functions are declared with a </a:t>
+            </a:r>
+            <a:r>
+              <a:rPr lang="en-IN" sz="1600" b="1" i="0" dirty="0">
+                <a:solidFill>
+                  <a:srgbClr val="273239"/>
+                </a:solidFill>
+                <a:effectLst/>
+                <a:latin typeface="urw-din"/>
+              </a:rPr>
+              <a:t>virtual </a:t>
+            </a:r>
+            <a:r>
+              <a:rPr lang="en-IN" sz="1600" b="0" i="0" dirty="0">
+                <a:solidFill>
+                  <a:srgbClr val="273239"/>
+                </a:solidFill>
+                <a:effectLst/>
+                <a:latin typeface="urw-din"/>
+              </a:rPr>
+              <a:t>keyword in base class.</a:t>
+            </a:r>
+          </a:p>
+          <a:p>
+            <a:pPr fontAlgn="base"/>
+            <a:r>
+              <a:rPr lang="en-IN" sz="1600" b="0" i="0" dirty="0">
+                <a:solidFill>
+                  <a:srgbClr val="273239"/>
+                </a:solidFill>
+                <a:effectLst/>
+                <a:latin typeface="urw-din"/>
+              </a:rPr>
+              <a:t>The resolving of function call is done at runtime.</a:t>
+            </a:r>
+          </a:p>
+          <a:p>
+            <a:pPr marL="0" indent="0">
+              <a:buNone/>
+            </a:pPr>
+            <a:r>
+              <a:rPr lang="en-IN" sz="2400" b="0" i="0" dirty="0">
+                <a:solidFill>
+                  <a:srgbClr val="273239"/>
+                </a:solidFill>
+                <a:effectLst/>
+                <a:latin typeface="urw-din"/>
+              </a:rPr>
+              <a:t> </a:t>
+            </a:r>
+            <a:endParaRPr lang="en-US" sz="2400" dirty="0"/>
           </a:p>
         </p:txBody>
       </p:sp>
     </p:spTree>
     <p:extLst>
       <p:ext uri="{BB962C8B-B14F-4D97-AF65-F5344CB8AC3E}">
-        <p14:creationId xmlns:p14="http://schemas.microsoft.com/office/powerpoint/2010/main" val="3061112503"/>
+        <p14:creationId xmlns:p14="http://schemas.microsoft.com/office/powerpoint/2010/main" val="4152907336"/>
       </p:ext>
     </p:extLst>
   </p:cSld>
@@ -3928,176 +4007,117 @@
           <a:chExt cx="0" cy="0"/>
         </a:xfrm>
       </p:grpSpPr>
-      <p:sp>
-        <p:nvSpPr>
-          <p:cNvPr id="2" name="Title 1">
+      <p:pic>
+        <p:nvPicPr>
+          <p:cNvPr id="5" name="Picture 5">
             <a:extLst>
               <a:ext uri="{FF2B5EF4-FFF2-40B4-BE49-F238E27FC236}">
-                <a16:creationId xmlns:a16="http://schemas.microsoft.com/office/drawing/2014/main" id="{1686BCCC-573D-21BA-98D4-692694AAABBB}"/>
+                <a16:creationId xmlns:a16="http://schemas.microsoft.com/office/drawing/2014/main" id="{C989CCC0-53E4-480E-AC1D-C04B8EC4C4AA}"/>
               </a:ext>
             </a:extLst>
           </p:cNvPr>
-          <p:cNvSpPr>
-            <a:spLocks noGrp="1"/>
-          </p:cNvSpPr>
-          <p:nvPr>
-            <p:ph type="title"/>
-          </p:nvPr>
-        </p:nvSpPr>
-        <p:spPr/>
-        <p:txBody>
-          <a:bodyPr/>
-          <a:lstStyle/>
-          <a:p>
-            <a:r>
-              <a:rPr lang="en-US" b="1" i="1" dirty="0">
-                <a:cs typeface="Calibri Light"/>
-              </a:rPr>
-              <a:t>                     </a:t>
-            </a:r>
-            <a:r>
-              <a:rPr lang="en-US" b="1" i="1" u="sng" dirty="0">
-                <a:cs typeface="Calibri Light"/>
-              </a:rPr>
-              <a:t>Structure vs Class in C++</a:t>
-            </a:r>
-            <a:endParaRPr lang="en-US" b="1" i="1" u="sng" dirty="0"/>
-          </a:p>
-        </p:txBody>
-      </p:sp>
-      <p:sp>
-        <p:nvSpPr>
-          <p:cNvPr id="4" name="Content Placeholder 3">
+          <p:cNvPicPr>
+            <a:picLocks noGrp="1" noChangeAspect="1"/>
+          </p:cNvPicPr>
+          <p:nvPr>
+            <p:ph sz="half" idx="1"/>
+          </p:nvPr>
+        </p:nvPicPr>
+        <p:blipFill>
+          <a:blip r:embed="rId2">
+            <a:extLst>
+              <a:ext uri="{28A0092B-C50C-407E-A947-70E740481C1C}">
+                <a14:useLocalDpi xmlns:a14="http://schemas.microsoft.com/office/drawing/2010/main" val="0"/>
+              </a:ext>
+            </a:extLst>
+          </a:blip>
+          <a:stretch>
+            <a:fillRect/>
+          </a:stretch>
+        </p:blipFill>
+        <p:spPr>
+          <a:xfrm>
+            <a:off x="300161" y="307099"/>
+            <a:ext cx="8711489" cy="4825453"/>
+          </a:xfrm>
+        </p:spPr>
+      </p:pic>
+      <p:pic>
+        <p:nvPicPr>
+          <p:cNvPr id="6" name="Picture 6">
             <a:extLst>
               <a:ext uri="{FF2B5EF4-FFF2-40B4-BE49-F238E27FC236}">
-                <a16:creationId xmlns:a16="http://schemas.microsoft.com/office/drawing/2014/main" id="{E4A515B4-FACA-34D3-C018-48FB546B0A45}"/>
+                <a16:creationId xmlns:a16="http://schemas.microsoft.com/office/drawing/2014/main" id="{D71CCB2E-4856-4ACF-BEB7-0AE2F4E350CB}"/>
               </a:ext>
             </a:extLst>
           </p:cNvPr>
-          <p:cNvSpPr>
-            <a:spLocks noGrp="1"/>
-          </p:cNvSpPr>
-          <p:nvPr>
-            <p:ph sz="half" idx="1"/>
-          </p:nvPr>
-        </p:nvSpPr>
+          <p:cNvPicPr>
+            <a:picLocks noChangeAspect="1"/>
+          </p:cNvPicPr>
+          <p:nvPr/>
+        </p:nvPicPr>
+        <p:blipFill>
+          <a:blip r:embed="rId3">
+            <a:extLst>
+              <a:ext uri="{28A0092B-C50C-407E-A947-70E740481C1C}">
+                <a14:useLocalDpi xmlns:a14="http://schemas.microsoft.com/office/drawing/2010/main" val="0"/>
+              </a:ext>
+            </a:extLst>
+          </a:blip>
+          <a:stretch>
+            <a:fillRect/>
+          </a:stretch>
+        </p:blipFill>
         <p:spPr>
           <a:xfrm>
-            <a:off x="795867" y="1825625"/>
-            <a:ext cx="10557933" cy="4351338"/>
+            <a:off x="300161" y="5132552"/>
+            <a:ext cx="8711489" cy="1310068"/>
           </a:xfrm>
+          <a:prstGeom prst="rect">
+            <a:avLst/>
+          </a:prstGeom>
         </p:spPr>
-        <p:txBody>
-          <a:bodyPr vert="horz" lIns="91440" tIns="45720" rIns="91440" bIns="45720" rtlCol="0" anchor="t">
-            <a:normAutofit/>
-          </a:bodyPr>
-          <a:lstStyle/>
-          <a:p>
-            <a:pPr marL="0" indent="0">
-              <a:buNone/>
-            </a:pPr>
-            <a:r>
-              <a:rPr lang="en-US" sz="2000" dirty="0">
-                <a:ea typeface="+mn-lt"/>
-                <a:cs typeface="+mn-lt"/>
-              </a:rPr>
-              <a:t>In C++, a structure is the same as a class except for a few differences. The most important of them is security. A Structure is not secure and cannot hide its implementation details from the end user while a class is secure and can hide its programming and designing details. Following are the points that expound on this difference:</a:t>
-            </a:r>
-          </a:p>
-          <a:p>
-            <a:r>
-              <a:rPr lang="en-US" sz="2000" dirty="0">
-                <a:ea typeface="+mn-lt"/>
-                <a:cs typeface="+mn-lt"/>
-              </a:rPr>
-              <a:t>  A class is declared using the class keyword, and a structure is declared using the struct keyword.</a:t>
-            </a:r>
-          </a:p>
-          <a:p>
-            <a:pPr marL="342900" indent="-342900"/>
-            <a:r>
-              <a:rPr lang="en-US" sz="2000" dirty="0">
-                <a:ea typeface="+mn-lt"/>
-                <a:cs typeface="+mn-lt"/>
-              </a:rPr>
-              <a:t>Members of a class are private by default and members of a struct are public by default</a:t>
-            </a:r>
-          </a:p>
-          <a:p>
-            <a:pPr marL="342900" indent="-342900"/>
-            <a:r>
-              <a:rPr lang="en-US" sz="2000" dirty="0">
-                <a:ea typeface="+mn-lt"/>
-                <a:cs typeface="+mn-lt"/>
-              </a:rPr>
-              <a:t>When deriving a </a:t>
-            </a:r>
-            <a:r>
-              <a:rPr lang="en-US" sz="2000" b="1" dirty="0">
-                <a:ea typeface="+mn-lt"/>
-                <a:cs typeface="+mn-lt"/>
-              </a:rPr>
-              <a:t>struct from a class/struct</a:t>
-            </a:r>
-            <a:r>
-              <a:rPr lang="en-US" sz="2000" dirty="0">
-                <a:ea typeface="+mn-lt"/>
-                <a:cs typeface="+mn-lt"/>
-              </a:rPr>
-              <a:t>, default access-specifier for a base class/struct is </a:t>
-            </a:r>
-            <a:r>
-              <a:rPr lang="en-US" sz="2000" b="1" dirty="0">
-                <a:ea typeface="+mn-lt"/>
-                <a:cs typeface="+mn-lt"/>
-              </a:rPr>
-              <a:t>public</a:t>
-            </a:r>
-            <a:r>
-              <a:rPr lang="en-US" sz="2000" dirty="0">
-                <a:ea typeface="+mn-lt"/>
-                <a:cs typeface="+mn-lt"/>
-              </a:rPr>
-              <a:t>. And when </a:t>
-            </a:r>
-            <a:r>
-              <a:rPr lang="en-US" sz="2000" b="1" dirty="0">
-                <a:ea typeface="+mn-lt"/>
-                <a:cs typeface="+mn-lt"/>
-              </a:rPr>
-              <a:t>deriving a class</a:t>
-            </a:r>
-            <a:r>
-              <a:rPr lang="en-US" sz="2000" dirty="0">
-                <a:ea typeface="+mn-lt"/>
-                <a:cs typeface="+mn-lt"/>
-              </a:rPr>
-              <a:t>, the default access specifier is </a:t>
-            </a:r>
-            <a:r>
-              <a:rPr lang="en-US" sz="2000" b="1" dirty="0">
-                <a:ea typeface="+mn-lt"/>
-                <a:cs typeface="+mn-lt"/>
-              </a:rPr>
-              <a:t>private</a:t>
-            </a:r>
-            <a:r>
-              <a:rPr lang="en-US" sz="2000" dirty="0">
-                <a:ea typeface="+mn-lt"/>
-                <a:cs typeface="+mn-lt"/>
-              </a:rPr>
-              <a:t>.</a:t>
-            </a:r>
-            <a:endParaRPr lang="en-US" sz="2000" dirty="0">
-              <a:cs typeface="Calibri"/>
-            </a:endParaRPr>
-          </a:p>
-        </p:txBody>
-      </p:sp>
+      </p:pic>
+      <p:pic>
+        <p:nvPicPr>
+          <p:cNvPr id="7" name="Picture 7">
+            <a:extLst>
+              <a:ext uri="{FF2B5EF4-FFF2-40B4-BE49-F238E27FC236}">
+                <a16:creationId xmlns:a16="http://schemas.microsoft.com/office/drawing/2014/main" id="{15158875-A394-4783-94C9-8A66DE101030}"/>
+              </a:ext>
+            </a:extLst>
+          </p:cNvPr>
+          <p:cNvPicPr>
+            <a:picLocks noChangeAspect="1"/>
+          </p:cNvPicPr>
+          <p:nvPr/>
+        </p:nvPicPr>
+        <p:blipFill>
+          <a:blip r:embed="rId4">
+            <a:extLst>
+              <a:ext uri="{28A0092B-C50C-407E-A947-70E740481C1C}">
+                <a14:useLocalDpi xmlns:a14="http://schemas.microsoft.com/office/drawing/2010/main" val="0"/>
+              </a:ext>
+            </a:extLst>
+          </a:blip>
+          <a:stretch>
+            <a:fillRect/>
+          </a:stretch>
+        </p:blipFill>
+        <p:spPr>
+          <a:xfrm>
+            <a:off x="5088759" y="2499876"/>
+            <a:ext cx="6899639" cy="1858247"/>
+          </a:xfrm>
+          <a:prstGeom prst="rect">
+            <a:avLst/>
+          </a:prstGeom>
+        </p:spPr>
+      </p:pic>
     </p:spTree>
     <p:extLst>
       <p:ext uri="{BB962C8B-B14F-4D97-AF65-F5344CB8AC3E}">
-        <p14:creationId xmlns:p14="http://schemas.microsoft.com/office/powerpoint/2010/main" val="2177431564"/>
+        <p14:creationId xmlns:p14="http://schemas.microsoft.com/office/powerpoint/2010/main" val="2978453936"/>
       </p:ext>
     </p:extLst>
   </p:cSld>
@@ -4129,6 +4149,364 @@
           <p:cNvPr id="2" name="Title 1">
             <a:extLst>
               <a:ext uri="{FF2B5EF4-FFF2-40B4-BE49-F238E27FC236}">
+                <a16:creationId xmlns:a16="http://schemas.microsoft.com/office/drawing/2014/main" id="{3C92D752-01D1-0D91-15EB-837A4A1A7ABD}"/>
+              </a:ext>
+            </a:extLst>
+          </p:cNvPr>
+          <p:cNvSpPr>
+            <a:spLocks noGrp="1"/>
+          </p:cNvSpPr>
+          <p:nvPr>
+            <p:ph type="title"/>
+          </p:nvPr>
+        </p:nvSpPr>
+        <p:spPr/>
+        <p:txBody>
+          <a:bodyPr/>
+          <a:lstStyle/>
+          <a:p>
+            <a:r>
+              <a:rPr lang="en-US" b="1" u="sng" dirty="0">
+                <a:latin typeface="Aharoni"/>
+                <a:cs typeface="Calibri Light"/>
+              </a:rPr>
+              <a:t>Garbage Collection in OOP languages</a:t>
+            </a:r>
+            <a:endParaRPr lang="en-US" u="sng" dirty="0">
+              <a:latin typeface="Aharoni"/>
+              <a:cs typeface="Calibri Light" panose="020F0302020204030204"/>
+            </a:endParaRPr>
+          </a:p>
+        </p:txBody>
+      </p:sp>
+      <p:sp>
+        <p:nvSpPr>
+          <p:cNvPr id="3" name="Content Placeholder 2">
+            <a:extLst>
+              <a:ext uri="{FF2B5EF4-FFF2-40B4-BE49-F238E27FC236}">
+                <a16:creationId xmlns:a16="http://schemas.microsoft.com/office/drawing/2014/main" id="{360C8343-BF9D-24F8-7663-9C507F0F242C}"/>
+              </a:ext>
+            </a:extLst>
+          </p:cNvPr>
+          <p:cNvSpPr>
+            <a:spLocks noGrp="1"/>
+          </p:cNvSpPr>
+          <p:nvPr>
+            <p:ph sz="half" idx="1"/>
+          </p:nvPr>
+        </p:nvSpPr>
+        <p:spPr>
+          <a:xfrm>
+            <a:off x="838200" y="1825625"/>
+            <a:ext cx="10515600" cy="4351338"/>
+          </a:xfrm>
+        </p:spPr>
+        <p:txBody>
+          <a:bodyPr vert="horz" lIns="91440" tIns="45720" rIns="91440" bIns="45720" rtlCol="0" anchor="t">
+            <a:normAutofit/>
+          </a:bodyPr>
+          <a:lstStyle/>
+          <a:p>
+            <a:pPr marL="0" indent="0">
+              <a:buNone/>
+            </a:pPr>
+            <a:r>
+              <a:rPr lang="en-US" dirty="0">
+                <a:ea typeface="+mn-lt"/>
+                <a:cs typeface="+mn-lt"/>
+              </a:rPr>
+              <a:t>Garbage collection is </a:t>
+            </a:r>
+            <a:r>
+              <a:rPr lang="en-US" b="1" dirty="0">
+                <a:ea typeface="+mn-lt"/>
+                <a:cs typeface="+mn-lt"/>
+              </a:rPr>
+              <a:t>the process in which programs try to free up memory space that is no longer used by objects</a:t>
+            </a:r>
+            <a:r>
+              <a:rPr lang="en-US" dirty="0">
+                <a:ea typeface="+mn-lt"/>
+                <a:cs typeface="+mn-lt"/>
+              </a:rPr>
+              <a:t>. Garbage collection is implemented differently for every language. Most high-level programming languages have some sort of garbage collection built in.</a:t>
+            </a:r>
+            <a:endParaRPr lang="en-US" dirty="0"/>
+          </a:p>
+          <a:p>
+            <a:r>
+              <a:rPr lang="en-US" sz="2000" dirty="0">
+                <a:ea typeface="+mn-lt"/>
+                <a:cs typeface="+mn-lt"/>
+              </a:rPr>
+              <a:t>In C++, programmer is responsible for both creation and destruction of objects.</a:t>
+            </a:r>
+            <a:endParaRPr lang="en-US" sz="2000">
+              <a:cs typeface="Calibri"/>
+            </a:endParaRPr>
+          </a:p>
+          <a:p>
+            <a:r>
+              <a:rPr lang="en-US" sz="2000" dirty="0">
+                <a:ea typeface="+mn-lt"/>
+                <a:cs typeface="+mn-lt"/>
+              </a:rPr>
+              <a:t>But in Java, the programmer need not to care for all those objects which are no longer in use. ...</a:t>
+            </a:r>
+            <a:endParaRPr lang="en-US" sz="2000">
+              <a:cs typeface="Calibri"/>
+            </a:endParaRPr>
+          </a:p>
+          <a:p>
+            <a:r>
+              <a:rPr lang="en-US" sz="2000" dirty="0">
+                <a:ea typeface="+mn-lt"/>
+                <a:cs typeface="+mn-lt"/>
+              </a:rPr>
+              <a:t>Garbage collector is best example of Deamon thread as it is always running in background.</a:t>
+            </a:r>
+            <a:endParaRPr lang="en-US" sz="2000">
+              <a:cs typeface="Calibri"/>
+            </a:endParaRPr>
+          </a:p>
+          <a:p>
+            <a:endParaRPr lang="en-US" dirty="0">
+              <a:cs typeface="Calibri"/>
+            </a:endParaRPr>
+          </a:p>
+        </p:txBody>
+      </p:sp>
+    </p:spTree>
+    <p:extLst>
+      <p:ext uri="{BB962C8B-B14F-4D97-AF65-F5344CB8AC3E}">
+        <p14:creationId xmlns:p14="http://schemas.microsoft.com/office/powerpoint/2010/main" val="3061112503"/>
+      </p:ext>
+    </p:extLst>
+  </p:cSld>
+  <p:clrMapOvr>
+    <a:masterClrMapping/>
+  </p:clrMapOvr>
+</p:sld>
+</file>
+
+<file path=ppt/slides/slide17.xml><?xml version="1.0" encoding="utf-8"?>
+<p:sld xmlns:a="http://schemas.openxmlformats.org/drawingml/2006/main" xmlns:r="http://schemas.openxmlformats.org/officeDocument/2006/relationships" xmlns:p="http://schemas.openxmlformats.org/presentationml/2006/main">
+  <p:cSld>
+    <p:spTree>
+      <p:nvGrpSpPr>
+        <p:cNvPr id="1" name=""/>
+        <p:cNvGrpSpPr/>
+        <p:nvPr/>
+      </p:nvGrpSpPr>
+      <p:grpSpPr>
+        <a:xfrm>
+          <a:off x="0" y="0"/>
+          <a:ext cx="0" cy="0"/>
+          <a:chOff x="0" y="0"/>
+          <a:chExt cx="0" cy="0"/>
+        </a:xfrm>
+      </p:grpSpPr>
+      <p:sp>
+        <p:nvSpPr>
+          <p:cNvPr id="2" name="Title 1">
+            <a:extLst>
+              <a:ext uri="{FF2B5EF4-FFF2-40B4-BE49-F238E27FC236}">
+                <a16:creationId xmlns:a16="http://schemas.microsoft.com/office/drawing/2014/main" id="{1686BCCC-573D-21BA-98D4-692694AAABBB}"/>
+              </a:ext>
+            </a:extLst>
+          </p:cNvPr>
+          <p:cNvSpPr>
+            <a:spLocks noGrp="1"/>
+          </p:cNvSpPr>
+          <p:nvPr>
+            <p:ph type="title"/>
+          </p:nvPr>
+        </p:nvSpPr>
+        <p:spPr/>
+        <p:txBody>
+          <a:bodyPr/>
+          <a:lstStyle/>
+          <a:p>
+            <a:r>
+              <a:rPr lang="en-US" b="1" i="1" dirty="0">
+                <a:cs typeface="Calibri Light"/>
+              </a:rPr>
+              <a:t>                     </a:t>
+            </a:r>
+            <a:r>
+              <a:rPr lang="en-US" b="1" i="1" u="sng" dirty="0">
+                <a:cs typeface="Calibri Light"/>
+              </a:rPr>
+              <a:t>Structure vs Class in C++</a:t>
+            </a:r>
+            <a:endParaRPr lang="en-US" b="1" i="1" u="sng" dirty="0"/>
+          </a:p>
+        </p:txBody>
+      </p:sp>
+      <p:sp>
+        <p:nvSpPr>
+          <p:cNvPr id="4" name="Content Placeholder 3">
+            <a:extLst>
+              <a:ext uri="{FF2B5EF4-FFF2-40B4-BE49-F238E27FC236}">
+                <a16:creationId xmlns:a16="http://schemas.microsoft.com/office/drawing/2014/main" id="{E4A515B4-FACA-34D3-C018-48FB546B0A45}"/>
+              </a:ext>
+            </a:extLst>
+          </p:cNvPr>
+          <p:cNvSpPr>
+            <a:spLocks noGrp="1"/>
+          </p:cNvSpPr>
+          <p:nvPr>
+            <p:ph sz="half" idx="1"/>
+          </p:nvPr>
+        </p:nvSpPr>
+        <p:spPr>
+          <a:xfrm>
+            <a:off x="795867" y="1825625"/>
+            <a:ext cx="10557933" cy="4351338"/>
+          </a:xfrm>
+        </p:spPr>
+        <p:txBody>
+          <a:bodyPr vert="horz" lIns="91440" tIns="45720" rIns="91440" bIns="45720" rtlCol="0" anchor="t">
+            <a:normAutofit/>
+          </a:bodyPr>
+          <a:lstStyle/>
+          <a:p>
+            <a:pPr marL="0" indent="0">
+              <a:buNone/>
+            </a:pPr>
+            <a:r>
+              <a:rPr lang="en-US" sz="2000" dirty="0">
+                <a:ea typeface="+mn-lt"/>
+                <a:cs typeface="+mn-lt"/>
+              </a:rPr>
+              <a:t>In C++, a structure is the same as a class except for a few differences. The most important of them is security. A Structure is not secure and cannot hide its implementation details from the end user while a class is secure and can hide its programming and designing details. Following are the points that expound on this difference:</a:t>
+            </a:r>
+          </a:p>
+          <a:p>
+            <a:r>
+              <a:rPr lang="en-US" sz="2000" dirty="0">
+                <a:ea typeface="+mn-lt"/>
+                <a:cs typeface="+mn-lt"/>
+              </a:rPr>
+              <a:t>  A class is declared using the class keyword, and a structure is declared using the struct keyword.</a:t>
+            </a:r>
+          </a:p>
+          <a:p>
+            <a:pPr marL="342900" indent="-342900"/>
+            <a:r>
+              <a:rPr lang="en-US" sz="2000" dirty="0">
+                <a:ea typeface="+mn-lt"/>
+                <a:cs typeface="+mn-lt"/>
+              </a:rPr>
+              <a:t>Members of a class are private by default and members of a struct are public by default</a:t>
+            </a:r>
+          </a:p>
+          <a:p>
+            <a:pPr marL="342900" indent="-342900"/>
+            <a:r>
+              <a:rPr lang="en-US" sz="2000" dirty="0">
+                <a:ea typeface="+mn-lt"/>
+                <a:cs typeface="+mn-lt"/>
+              </a:rPr>
+              <a:t>When deriving a </a:t>
+            </a:r>
+            <a:r>
+              <a:rPr lang="en-US" sz="2000" b="1" dirty="0">
+                <a:ea typeface="+mn-lt"/>
+                <a:cs typeface="+mn-lt"/>
+              </a:rPr>
+              <a:t>struct from a class/struct</a:t>
+            </a:r>
+            <a:r>
+              <a:rPr lang="en-US" sz="2000" dirty="0">
+                <a:ea typeface="+mn-lt"/>
+                <a:cs typeface="+mn-lt"/>
+              </a:rPr>
+              <a:t>, default access-specifier for a base class/struct is </a:t>
+            </a:r>
+            <a:r>
+              <a:rPr lang="en-US" sz="2000" b="1" dirty="0">
+                <a:ea typeface="+mn-lt"/>
+                <a:cs typeface="+mn-lt"/>
+              </a:rPr>
+              <a:t>public</a:t>
+            </a:r>
+            <a:r>
+              <a:rPr lang="en-US" sz="2000" dirty="0">
+                <a:ea typeface="+mn-lt"/>
+                <a:cs typeface="+mn-lt"/>
+              </a:rPr>
+              <a:t>. And when </a:t>
+            </a:r>
+            <a:r>
+              <a:rPr lang="en-US" sz="2000" b="1" dirty="0">
+                <a:ea typeface="+mn-lt"/>
+                <a:cs typeface="+mn-lt"/>
+              </a:rPr>
+              <a:t>deriving a class</a:t>
+            </a:r>
+            <a:r>
+              <a:rPr lang="en-US" sz="2000" dirty="0">
+                <a:ea typeface="+mn-lt"/>
+                <a:cs typeface="+mn-lt"/>
+              </a:rPr>
+              <a:t>, the default access specifier is </a:t>
+            </a:r>
+            <a:r>
+              <a:rPr lang="en-US" sz="2000" b="1" dirty="0">
+                <a:ea typeface="+mn-lt"/>
+                <a:cs typeface="+mn-lt"/>
+              </a:rPr>
+              <a:t>private</a:t>
+            </a:r>
+            <a:r>
+              <a:rPr lang="en-US" sz="2000" dirty="0">
+                <a:ea typeface="+mn-lt"/>
+                <a:cs typeface="+mn-lt"/>
+              </a:rPr>
+              <a:t>.</a:t>
+            </a:r>
+            <a:endParaRPr lang="en-US" sz="2000" dirty="0">
+              <a:cs typeface="Calibri"/>
+            </a:endParaRPr>
+          </a:p>
+        </p:txBody>
+      </p:sp>
+    </p:spTree>
+    <p:extLst>
+      <p:ext uri="{BB962C8B-B14F-4D97-AF65-F5344CB8AC3E}">
+        <p14:creationId xmlns:p14="http://schemas.microsoft.com/office/powerpoint/2010/main" val="2177431564"/>
+      </p:ext>
+    </p:extLst>
+  </p:cSld>
+  <p:clrMapOvr>
+    <a:masterClrMapping/>
+  </p:clrMapOvr>
+</p:sld>
+</file>
+
+<file path=ppt/slides/slide18.xml><?xml version="1.0" encoding="utf-8"?>
+<p:sld xmlns:a="http://schemas.openxmlformats.org/drawingml/2006/main" xmlns:r="http://schemas.openxmlformats.org/officeDocument/2006/relationships" xmlns:p="http://schemas.openxmlformats.org/presentationml/2006/main">
+  <p:cSld>
+    <p:spTree>
+      <p:nvGrpSpPr>
+        <p:cNvPr id="1" name=""/>
+        <p:cNvGrpSpPr/>
+        <p:nvPr/>
+      </p:nvGrpSpPr>
+      <p:grpSpPr>
+        <a:xfrm>
+          <a:off x="0" y="0"/>
+          <a:ext cx="0" cy="0"/>
+          <a:chOff x="0" y="0"/>
+          <a:chExt cx="0" cy="0"/>
+        </a:xfrm>
+      </p:grpSpPr>
+      <p:sp>
+        <p:nvSpPr>
+          <p:cNvPr id="2" name="Title 1">
+            <a:extLst>
+              <a:ext uri="{FF2B5EF4-FFF2-40B4-BE49-F238E27FC236}">
                 <a16:creationId xmlns:a16="http://schemas.microsoft.com/office/drawing/2014/main" id="{28178514-6C34-48C6-E9AE-AB60178E41AF}"/>
               </a:ext>
             </a:extLst>
@@ -4326,7 +4704,7 @@
 </p:sld>
 </file>
 
-<file path=ppt/slides/slide17.xml><?xml version="1.0" encoding="utf-8"?>
+<file path=ppt/slides/slide19.xml><?xml version="1.0" encoding="utf-8"?>
 <p:sld xmlns:a="http://schemas.openxmlformats.org/drawingml/2006/main" xmlns:r="http://schemas.openxmlformats.org/officeDocument/2006/relationships" xmlns:p="http://schemas.openxmlformats.org/presentationml/2006/main">
   <p:cSld>
     <p:spTree>
@@ -4881,7 +5259,7 @@
                 <a:ea typeface="+mn-lt"/>
                 <a:cs typeface="+mn-lt"/>
               </a:rPr>
-              <a:t>It is a basic unit of Object-Oriented Programming and represents the real-life entities.  A typical Java program creates many objects, which as you know, interact by invoking methods.</a:t>
+              <a:t>It is a basic unit of Object-Oriented Programming and represents the real-life entities.  A typical C++ program creates many objects, which as you know, interact by invoking functions.</a:t>
             </a:r>
             <a:br>
               <a:rPr lang="en-US" sz="2000" dirty="0">
@@ -4896,7 +5274,7 @@
               </a:rPr>
               <a:t>Objects having memory addresses and take up some space. They can interact with each other without knowing the data and code.</a:t>
             </a:r>
-            <a:endParaRPr lang="en-US"/>
+            <a:endParaRPr lang="en-US" dirty="0"/>
           </a:p>
           <a:p>
             <a:pPr marL="0" indent="0">
@@ -4968,8 +5346,8 @@
         </p:blipFill>
         <p:spPr>
           <a:xfrm>
-            <a:off x="8087032" y="3245610"/>
-            <a:ext cx="2657430" cy="1893418"/>
+            <a:off x="8087031" y="3245610"/>
+            <a:ext cx="3336737" cy="2377424"/>
           </a:xfrm>
           <a:prstGeom prst="rect">
             <a:avLst/>
@@ -5477,7 +5855,7 @@
                 <a:ea typeface="+mn-lt"/>
                 <a:cs typeface="+mn-lt"/>
               </a:rPr>
-              <a:t>Encapsulation can be achieved by declaring all the variables in the class as private and writing public methods in the class to set and get the values of the variables.</a:t>
+              <a:t>Encapsulation can be achieved by declaring all the variables in the class as private and writing public functions in the class to set and get the values of the variables.</a:t>
             </a:r>
             <a:endParaRPr lang="en-US" sz="2000" dirty="0"/>
           </a:p>
@@ -5526,7 +5904,7 @@
             <a:br>
               <a:rPr lang="en-US" dirty="0"/>
             </a:br>
-            <a:endParaRPr lang="en-US">
+            <a:endParaRPr lang="en-US" dirty="0">
               <a:cs typeface="Calibri" panose="020F0502020204030204"/>
             </a:endParaRPr>
           </a:p>
